--- a/Slides/Lesson 1.2 Requirements Gathering - Mitch edit.pptx
+++ b/Slides/Lesson 1.2 Requirements Gathering - Mitch edit.pptx
@@ -5,7 +5,7 @@
     <p:sldMasterId id="2147483648" r:id="rId1"/>
   </p:sldMasterIdLst>
   <p:notesMasterIdLst>
-    <p:notesMasterId r:id="rId20"/>
+    <p:notesMasterId r:id="rId22"/>
   </p:notesMasterIdLst>
   <p:sldIdLst>
     <p:sldId id="485" r:id="rId2"/>
@@ -20,34 +20,36 @@
     <p:sldId id="489" r:id="rId11"/>
     <p:sldId id="490" r:id="rId12"/>
     <p:sldId id="495" r:id="rId13"/>
-    <p:sldId id="491" r:id="rId14"/>
-    <p:sldId id="492" r:id="rId15"/>
-    <p:sldId id="493" r:id="rId16"/>
-    <p:sldId id="405" r:id="rId17"/>
-    <p:sldId id="497" r:id="rId18"/>
-    <p:sldId id="498" r:id="rId19"/>
+    <p:sldId id="528" r:id="rId14"/>
+    <p:sldId id="527" r:id="rId15"/>
+    <p:sldId id="491" r:id="rId16"/>
+    <p:sldId id="492" r:id="rId17"/>
+    <p:sldId id="493" r:id="rId18"/>
+    <p:sldId id="405" r:id="rId19"/>
+    <p:sldId id="497" r:id="rId20"/>
+    <p:sldId id="498" r:id="rId21"/>
   </p:sldIdLst>
   <p:sldSz cx="12192000" cy="6858000"/>
   <p:notesSz cx="6858000" cy="9144000"/>
   <p:embeddedFontLst>
     <p:embeddedFont>
       <p:font typeface="Calibri" panose="020F0502020204030204" pitchFamily="34" charset="0"/>
-      <p:regular r:id="rId21"/>
-      <p:bold r:id="rId22"/>
-      <p:italic r:id="rId23"/>
-      <p:boldItalic r:id="rId24"/>
+      <p:regular r:id="rId23"/>
+      <p:bold r:id="rId24"/>
+      <p:italic r:id="rId25"/>
+      <p:boldItalic r:id="rId26"/>
     </p:embeddedFont>
     <p:embeddedFont>
       <p:font typeface="Calibri Light" panose="020F0302020204030204" pitchFamily="34" charset="0"/>
-      <p:regular r:id="rId25"/>
-      <p:italic r:id="rId26"/>
+      <p:regular r:id="rId27"/>
+      <p:italic r:id="rId28"/>
     </p:embeddedFont>
     <p:embeddedFont>
       <p:font typeface="Verdana" panose="020B0604030504040204" pitchFamily="34" charset="0"/>
-      <p:regular r:id="rId27"/>
-      <p:bold r:id="rId28"/>
-      <p:italic r:id="rId29"/>
-      <p:boldItalic r:id="rId30"/>
+      <p:regular r:id="rId29"/>
+      <p:bold r:id="rId30"/>
+      <p:italic r:id="rId31"/>
+      <p:boldItalic r:id="rId32"/>
     </p:embeddedFont>
   </p:embeddedFontLst>
   <p:defaultTextStyle>
@@ -162,6 +164,8 @@
             <p14:sldId id="489"/>
             <p14:sldId id="490"/>
             <p14:sldId id="495"/>
+            <p14:sldId id="528"/>
+            <p14:sldId id="527"/>
             <p14:sldId id="491"/>
             <p14:sldId id="492"/>
             <p14:sldId id="493"/>
@@ -182,7 +186,7 @@
 <file path=ppt/revisionInfo.xml><?xml version="1.0" encoding="utf-8"?>
 <p1510:revInfo xmlns:a="http://schemas.openxmlformats.org/drawingml/2006/main" xmlns:r="http://schemas.openxmlformats.org/officeDocument/2006/relationships" xmlns:p1510="http://schemas.microsoft.com/office/powerpoint/2015/10/main">
   <p1510:revLst>
-    <p1510:client id="{41CB5154-7602-4EBD-83E8-21237FD4F0D5}" v="11" dt="2022-08-31T02:12:59.336"/>
+    <p1510:client id="{41CB5154-7602-4EBD-83E8-21237FD4F0D5}" v="13" dt="2022-08-31T02:36:51.582"/>
   </p1510:revLst>
 </p1510:revInfo>
 </file>
@@ -191,8 +195,8 @@
 <pc:chgInfo xmlns:a="http://schemas.openxmlformats.org/drawingml/2006/main" xmlns:r="http://schemas.openxmlformats.org/officeDocument/2006/relationships" xmlns:ac="http://schemas.microsoft.com/office/drawing/2013/main/command" xmlns:pc="http://schemas.microsoft.com/office/powerpoint/2013/main/command">
   <pc:docChgLst>
     <pc:chgData name="Mitchell Wand" userId="de9b44c55c049659" providerId="LiveId" clId="{41CB5154-7602-4EBD-83E8-21237FD4F0D5}"/>
-    <pc:docChg chg="custSel delSld modSld modSection">
-      <pc:chgData name="Mitchell Wand" userId="de9b44c55c049659" providerId="LiveId" clId="{41CB5154-7602-4EBD-83E8-21237FD4F0D5}" dt="2022-08-31T02:20:43.399" v="423" actId="20577"/>
+    <pc:docChg chg="custSel addSld delSld modSld modSection">
+      <pc:chgData name="Mitchell Wand" userId="de9b44c55c049659" providerId="LiveId" clId="{41CB5154-7602-4EBD-83E8-21237FD4F0D5}" dt="2022-08-31T02:37:33.247" v="646" actId="20577"/>
       <pc:docMkLst>
         <pc:docMk/>
       </pc:docMkLst>
@@ -344,6 +348,51 @@
           <pc:docMk/>
           <pc:sldMk cId="3332041494" sldId="499"/>
         </pc:sldMkLst>
+      </pc:sldChg>
+      <pc:sldChg chg="delSp modSp add del mod">
+        <pc:chgData name="Mitchell Wand" userId="de9b44c55c049659" providerId="LiveId" clId="{41CB5154-7602-4EBD-83E8-21237FD4F0D5}" dt="2022-08-31T02:36:57.137" v="592" actId="47"/>
+        <pc:sldMkLst>
+          <pc:docMk/>
+          <pc:sldMk cId="1975669705" sldId="526"/>
+        </pc:sldMkLst>
+        <pc:spChg chg="mod">
+          <ac:chgData name="Mitchell Wand" userId="de9b44c55c049659" providerId="LiveId" clId="{41CB5154-7602-4EBD-83E8-21237FD4F0D5}" dt="2022-08-31T02:35:15.096" v="590" actId="15"/>
+          <ac:spMkLst>
+            <pc:docMk/>
+            <pc:sldMk cId="1975669705" sldId="526"/>
+            <ac:spMk id="3" creationId="{37332AC8-CB08-5618-1BDB-C47109161E18}"/>
+          </ac:spMkLst>
+        </pc:spChg>
+        <pc:spChg chg="del mod">
+          <ac:chgData name="Mitchell Wand" userId="de9b44c55c049659" providerId="LiveId" clId="{41CB5154-7602-4EBD-83E8-21237FD4F0D5}" dt="2022-08-31T02:34:23.926" v="431" actId="478"/>
+          <ac:spMkLst>
+            <pc:docMk/>
+            <pc:sldMk cId="1975669705" sldId="526"/>
+            <ac:spMk id="6" creationId="{8814BD12-818F-B3A0-ACAF-1E6B505013CB}"/>
+          </ac:spMkLst>
+        </pc:spChg>
+      </pc:sldChg>
+      <pc:sldChg chg="add">
+        <pc:chgData name="Mitchell Wand" userId="de9b44c55c049659" providerId="LiveId" clId="{41CB5154-7602-4EBD-83E8-21237FD4F0D5}" dt="2022-08-31T02:32:58.788" v="424"/>
+        <pc:sldMkLst>
+          <pc:docMk/>
+          <pc:sldMk cId="3767598054" sldId="527"/>
+        </pc:sldMkLst>
+      </pc:sldChg>
+      <pc:sldChg chg="modSp add mod">
+        <pc:chgData name="Mitchell Wand" userId="de9b44c55c049659" providerId="LiveId" clId="{41CB5154-7602-4EBD-83E8-21237FD4F0D5}" dt="2022-08-31T02:37:33.247" v="646" actId="20577"/>
+        <pc:sldMkLst>
+          <pc:docMk/>
+          <pc:sldMk cId="1303431113" sldId="528"/>
+        </pc:sldMkLst>
+        <pc:spChg chg="mod">
+          <ac:chgData name="Mitchell Wand" userId="de9b44c55c049659" providerId="LiveId" clId="{41CB5154-7602-4EBD-83E8-21237FD4F0D5}" dt="2022-08-31T02:37:33.247" v="646" actId="20577"/>
+          <ac:spMkLst>
+            <pc:docMk/>
+            <pc:sldMk cId="1303431113" sldId="528"/>
+            <ac:spMk id="6" creationId="{8814BD12-818F-B3A0-ACAF-1E6B505013CB}"/>
+          </ac:spMkLst>
+        </pc:spChg>
       </pc:sldChg>
     </pc:docChg>
   </pc:docChgLst>
@@ -4814,7 +4863,7 @@
           <a:p>
             <a:fld id="{07937F07-1250-4CCE-B198-1B2887014F41}" type="slidenum">
               <a:rPr lang="en-US" smtClean="0"/>
-              <a:t>13</a:t>
+              <a:t>15</a:t>
             </a:fld>
             <a:endParaRPr lang="en-US"/>
           </a:p>
@@ -4901,7 +4950,7 @@
           <a:p>
             <a:fld id="{07937F07-1250-4CCE-B198-1B2887014F41}" type="slidenum">
               <a:rPr lang="en-US" smtClean="0"/>
-              <a:t>14</a:t>
+              <a:t>16</a:t>
             </a:fld>
             <a:endParaRPr lang="en-US"/>
           </a:p>
@@ -5005,7 +5054,7 @@
           <a:p>
             <a:fld id="{07937F07-1250-4CCE-B198-1B2887014F41}" type="slidenum">
               <a:rPr lang="en-US" smtClean="0"/>
-              <a:t>15</a:t>
+              <a:t>17</a:t>
             </a:fld>
             <a:endParaRPr lang="en-US"/>
           </a:p>
@@ -5109,7 +5158,7 @@
           <a:p>
             <a:fld id="{07937F07-1250-4CCE-B198-1B2887014F41}" type="slidenum">
               <a:rPr lang="en-US" smtClean="0"/>
-              <a:t>16</a:t>
+              <a:t>18</a:t>
             </a:fld>
             <a:endParaRPr lang="en-US"/>
           </a:p>
@@ -5210,7 +5259,7 @@
           <a:p>
             <a:fld id="{07937F07-1250-4CCE-B198-1B2887014F41}" type="slidenum">
               <a:rPr lang="en-US" smtClean="0"/>
-              <a:t>17</a:t>
+              <a:t>19</a:t>
             </a:fld>
             <a:endParaRPr lang="en-US"/>
           </a:p>
@@ -5297,7 +5346,7 @@
           <a:p>
             <a:fld id="{07937F07-1250-4CCE-B198-1B2887014F41}" type="slidenum">
               <a:rPr lang="en-US" smtClean="0"/>
-              <a:t>18</a:t>
+              <a:t>20</a:t>
             </a:fld>
             <a:endParaRPr lang="en-US"/>
           </a:p>
@@ -12081,7 +12130,7 @@
           <p:cNvPr id="2" name="Title 1">
             <a:extLst>
               <a:ext uri="{FF2B5EF4-FFF2-40B4-BE49-F238E27FC236}">
-                <a16:creationId xmlns:a16="http://schemas.microsoft.com/office/drawing/2014/main" id="{C2DE79C1-5AB5-8040-9F6A-9C0389FE1DBA}"/>
+                <a16:creationId xmlns:a16="http://schemas.microsoft.com/office/drawing/2014/main" id="{62B84ADF-FE0F-18D6-23B1-708E70C861E8}"/>
               </a:ext>
             </a:extLst>
           </p:cNvPr>
@@ -12099,7 +12148,48 @@
           <a:p>
             <a:r>
               <a:rPr lang="en-US" dirty="0"/>
-              <a:t>User Stories: Example – Backup Software</a:t>
+              <a:t>Example: a Transcript database</a:t>
+            </a:r>
+            <a:br>
+              <a:rPr lang="en-US" dirty="0"/>
+            </a:br>
+            <a:r>
+              <a:rPr lang="en-US" dirty="0"/>
+              <a:t>User Story</a:t>
+            </a:r>
+          </a:p>
+        </p:txBody>
+      </p:sp>
+      <p:sp>
+        <p:nvSpPr>
+          <p:cNvPr id="3" name="Content Placeholder 2">
+            <a:extLst>
+              <a:ext uri="{FF2B5EF4-FFF2-40B4-BE49-F238E27FC236}">
+                <a16:creationId xmlns:a16="http://schemas.microsoft.com/office/drawing/2014/main" id="{37332AC8-CB08-5618-1BDB-C47109161E18}"/>
+              </a:ext>
+            </a:extLst>
+          </p:cNvPr>
+          <p:cNvSpPr>
+            <a:spLocks noGrp="1"/>
+          </p:cNvSpPr>
+          <p:nvPr>
+            <p:ph idx="1"/>
+          </p:nvPr>
+        </p:nvSpPr>
+        <p:spPr/>
+        <p:txBody>
+          <a:bodyPr/>
+          <a:lstStyle/>
+          <a:p>
+            <a:r>
+              <a:rPr lang="en-US" dirty="0"/>
+              <a:t>User story: tells what the user wants to do, and why.</a:t>
+            </a:r>
+          </a:p>
+          <a:p>
+            <a:r>
+              <a:rPr lang="en-US" dirty="0"/>
+              <a:t>Example: </a:t>
             </a:r>
           </a:p>
         </p:txBody>
@@ -12109,7 +12199,7 @@
           <p:cNvPr id="4" name="Slide Number Placeholder 3">
             <a:extLst>
               <a:ext uri="{FF2B5EF4-FFF2-40B4-BE49-F238E27FC236}">
-                <a16:creationId xmlns:a16="http://schemas.microsoft.com/office/drawing/2014/main" id="{EB6258F6-2673-A748-BCFD-B5E43D7D4D9E}"/>
+                <a16:creationId xmlns:a16="http://schemas.microsoft.com/office/drawing/2014/main" id="{45D9D304-197D-D28C-47A3-F050ED4CFEFD}"/>
               </a:ext>
             </a:extLst>
           </p:cNvPr>
@@ -12128,6 +12218,445 @@
             <a:fld id="{20F37917-FD3A-4669-9018-DA04BCDD3D75}" type="slidenum">
               <a:rPr lang="en-US" smtClean="0"/>
               <a:t>13</a:t>
+            </a:fld>
+            <a:endParaRPr lang="en-US"/>
+          </a:p>
+        </p:txBody>
+      </p:sp>
+      <p:sp>
+        <p:nvSpPr>
+          <p:cNvPr id="6" name="TextBox 5">
+            <a:extLst>
+              <a:ext uri="{FF2B5EF4-FFF2-40B4-BE49-F238E27FC236}">
+                <a16:creationId xmlns:a16="http://schemas.microsoft.com/office/drawing/2014/main" id="{8814BD12-818F-B3A0-ACAF-1E6B505013CB}"/>
+              </a:ext>
+            </a:extLst>
+          </p:cNvPr>
+          <p:cNvSpPr txBox="1"/>
+          <p:nvPr/>
+        </p:nvSpPr>
+        <p:spPr>
+          <a:xfrm>
+            <a:off x="3056965" y="2386409"/>
+            <a:ext cx="5764306" cy="2578840"/>
+          </a:xfrm>
+          <a:prstGeom prst="rect">
+            <a:avLst/>
+          </a:prstGeom>
+          <a:solidFill>
+            <a:schemeClr val="accent2"/>
+          </a:solidFill>
+          <a:ln>
+            <a:noFill/>
+          </a:ln>
+        </p:spPr>
+        <p:style>
+          <a:lnRef idx="2">
+            <a:schemeClr val="accent1">
+              <a:shade val="50000"/>
+            </a:schemeClr>
+          </a:lnRef>
+          <a:fillRef idx="1">
+            <a:schemeClr val="accent1"/>
+          </a:fillRef>
+          <a:effectRef idx="0">
+            <a:schemeClr val="accent1"/>
+          </a:effectRef>
+          <a:fontRef idx="minor">
+            <a:schemeClr val="lt1"/>
+          </a:fontRef>
+        </p:style>
+        <p:txBody>
+          <a:bodyPr rot="0" spcFirstLastPara="0" vertOverflow="overflow" horzOverflow="overflow" vert="horz" wrap="square" lIns="91440" tIns="45720" rIns="91440" bIns="45720" numCol="1" spcCol="0" rtlCol="0" fromWordArt="0" anchor="ctr" anchorCtr="0" forceAA="0" compatLnSpc="1">
+            <a:prstTxWarp prst="textNoShape">
+              <a:avLst/>
+            </a:prstTxWarp>
+            <a:noAutofit/>
+          </a:bodyPr>
+          <a:lstStyle/>
+          <a:p>
+            <a:pPr lvl="1"/>
+            <a:r>
+              <a:rPr lang="en-US" sz="2400" b="1" dirty="0">
+                <a:solidFill>
+                  <a:schemeClr val="tx1"/>
+                </a:solidFill>
+              </a:rPr>
+              <a:t>As a College Administrator, I want a database to keep track of students, the courses they have taken, and the grades they received in those courses, so that I can advise them on their studies.</a:t>
+            </a:r>
+          </a:p>
+        </p:txBody>
+      </p:sp>
+    </p:spTree>
+    <p:extLst>
+      <p:ext uri="{BB962C8B-B14F-4D97-AF65-F5344CB8AC3E}">
+        <p14:creationId xmlns:p14="http://schemas.microsoft.com/office/powerpoint/2010/main" val="1303431113"/>
+      </p:ext>
+    </p:extLst>
+  </p:cSld>
+  <p:clrMapOvr>
+    <a:masterClrMapping/>
+  </p:clrMapOvr>
+</p:sld>
+</file>
+
+<file path=ppt/slides/slide14.xml><?xml version="1.0" encoding="utf-8"?>
+<p:sld xmlns:a="http://schemas.openxmlformats.org/drawingml/2006/main" xmlns:r="http://schemas.openxmlformats.org/officeDocument/2006/relationships" xmlns:p="http://schemas.openxmlformats.org/presentationml/2006/main">
+  <p:cSld>
+    <p:spTree>
+      <p:nvGrpSpPr>
+        <p:cNvPr id="1" name=""/>
+        <p:cNvGrpSpPr/>
+        <p:nvPr/>
+      </p:nvGrpSpPr>
+      <p:grpSpPr>
+        <a:xfrm>
+          <a:off x="0" y="0"/>
+          <a:ext cx="0" cy="0"/>
+          <a:chOff x="0" y="0"/>
+          <a:chExt cx="0" cy="0"/>
+        </a:xfrm>
+      </p:grpSpPr>
+      <p:sp>
+        <p:nvSpPr>
+          <p:cNvPr id="2" name="Title 1">
+            <a:extLst>
+              <a:ext uri="{FF2B5EF4-FFF2-40B4-BE49-F238E27FC236}">
+                <a16:creationId xmlns:a16="http://schemas.microsoft.com/office/drawing/2014/main" id="{8EED397E-2E18-DD79-0A0C-92B8569ECC53}"/>
+              </a:ext>
+            </a:extLst>
+          </p:cNvPr>
+          <p:cNvSpPr>
+            <a:spLocks noGrp="1"/>
+          </p:cNvSpPr>
+          <p:nvPr>
+            <p:ph type="title"/>
+          </p:nvPr>
+        </p:nvSpPr>
+        <p:spPr/>
+        <p:txBody>
+          <a:bodyPr/>
+          <a:lstStyle/>
+          <a:p>
+            <a:r>
+              <a:rPr lang="en-US" dirty="0">
+                <a:solidFill>
+                  <a:schemeClr val="bg2">
+                    <a:lumMod val="50000"/>
+                  </a:schemeClr>
+                </a:solidFill>
+              </a:rPr>
+              <a:t>Satisfaction Conditions</a:t>
+            </a:r>
+          </a:p>
+        </p:txBody>
+      </p:sp>
+      <p:sp>
+        <p:nvSpPr>
+          <p:cNvPr id="3" name="Content Placeholder 2">
+            <a:extLst>
+              <a:ext uri="{FF2B5EF4-FFF2-40B4-BE49-F238E27FC236}">
+                <a16:creationId xmlns:a16="http://schemas.microsoft.com/office/drawing/2014/main" id="{3C270DA0-CEDD-7D08-8774-EAEB8515E419}"/>
+              </a:ext>
+            </a:extLst>
+          </p:cNvPr>
+          <p:cNvSpPr>
+            <a:spLocks noGrp="1"/>
+          </p:cNvSpPr>
+          <p:nvPr>
+            <p:ph idx="1"/>
+          </p:nvPr>
+        </p:nvSpPr>
+        <p:spPr/>
+        <p:txBody>
+          <a:bodyPr/>
+          <a:lstStyle/>
+          <a:p>
+            <a:r>
+              <a:rPr lang="en-US" dirty="0"/>
+              <a:t>Satisfaction Conditions list the capabilities the user expects, in the user’s terms.</a:t>
+            </a:r>
+          </a:p>
+          <a:p>
+            <a:r>
+              <a:rPr lang="en-US" dirty="0"/>
+              <a:t>Example:</a:t>
+            </a:r>
+          </a:p>
+        </p:txBody>
+      </p:sp>
+      <p:sp>
+        <p:nvSpPr>
+          <p:cNvPr id="4" name="Slide Number Placeholder 3">
+            <a:extLst>
+              <a:ext uri="{FF2B5EF4-FFF2-40B4-BE49-F238E27FC236}">
+                <a16:creationId xmlns:a16="http://schemas.microsoft.com/office/drawing/2014/main" id="{78E266D1-9118-64E3-6ECA-ABE996CBECE0}"/>
+              </a:ext>
+            </a:extLst>
+          </p:cNvPr>
+          <p:cNvSpPr>
+            <a:spLocks noGrp="1"/>
+          </p:cNvSpPr>
+          <p:nvPr>
+            <p:ph type="sldNum" sz="quarter" idx="12"/>
+          </p:nvPr>
+        </p:nvSpPr>
+        <p:spPr/>
+        <p:txBody>
+          <a:bodyPr/>
+          <a:lstStyle/>
+          <a:p>
+            <a:fld id="{20F37917-FD3A-4669-9018-DA04BCDD3D75}" type="slidenum">
+              <a:rPr lang="en-US" smtClean="0"/>
+              <a:t>14</a:t>
+            </a:fld>
+            <a:endParaRPr lang="en-US"/>
+          </a:p>
+        </p:txBody>
+      </p:sp>
+      <p:sp>
+        <p:nvSpPr>
+          <p:cNvPr id="6" name="TextBox 5">
+            <a:extLst>
+              <a:ext uri="{FF2B5EF4-FFF2-40B4-BE49-F238E27FC236}">
+                <a16:creationId xmlns:a16="http://schemas.microsoft.com/office/drawing/2014/main" id="{490F40B2-4143-1881-7449-1FC1CCCAA401}"/>
+              </a:ext>
+            </a:extLst>
+          </p:cNvPr>
+          <p:cNvSpPr txBox="1"/>
+          <p:nvPr/>
+        </p:nvSpPr>
+        <p:spPr>
+          <a:xfrm>
+            <a:off x="2846293" y="2477900"/>
+            <a:ext cx="6109447" cy="3662924"/>
+          </a:xfrm>
+          <a:prstGeom prst="rect">
+            <a:avLst/>
+          </a:prstGeom>
+          <a:solidFill>
+            <a:schemeClr val="bg1">
+              <a:lumMod val="75000"/>
+            </a:schemeClr>
+          </a:solidFill>
+          <a:ln>
+            <a:noFill/>
+          </a:ln>
+        </p:spPr>
+        <p:style>
+          <a:lnRef idx="2">
+            <a:schemeClr val="accent1">
+              <a:shade val="50000"/>
+            </a:schemeClr>
+          </a:lnRef>
+          <a:fillRef idx="1">
+            <a:schemeClr val="accent1"/>
+          </a:fillRef>
+          <a:effectRef idx="0">
+            <a:schemeClr val="accent1"/>
+          </a:effectRef>
+          <a:fontRef idx="minor">
+            <a:schemeClr val="lt1"/>
+          </a:fontRef>
+        </p:style>
+        <p:txBody>
+          <a:bodyPr rot="0" spcFirstLastPara="0" vertOverflow="overflow" horzOverflow="overflow" vert="horz" wrap="square" lIns="91440" tIns="45720" rIns="91440" bIns="45720" numCol="1" spcCol="0" rtlCol="0" fromWordArt="0" anchor="ctr" anchorCtr="0" forceAA="0" compatLnSpc="1">
+            <a:prstTxWarp prst="textNoShape">
+              <a:avLst/>
+            </a:prstTxWarp>
+            <a:noAutofit/>
+          </a:bodyPr>
+          <a:lstStyle/>
+          <a:p>
+            <a:pPr lvl="1"/>
+            <a:r>
+              <a:rPr lang="en-US" sz="2400" b="1" dirty="0">
+                <a:solidFill>
+                  <a:schemeClr val="tx1"/>
+                </a:solidFill>
+              </a:rPr>
+              <a:t>My database should allow me to do the following:</a:t>
+            </a:r>
+          </a:p>
+          <a:p>
+            <a:pPr marL="800100" lvl="1" indent="-342900">
+              <a:buFont typeface="Arial" panose="020B0604020202020204" pitchFamily="34" charset="0"/>
+              <a:buChar char="•"/>
+            </a:pPr>
+            <a:r>
+              <a:rPr lang="en-US" sz="2000" b="1" dirty="0">
+                <a:solidFill>
+                  <a:schemeClr val="tx1"/>
+                </a:solidFill>
+              </a:rPr>
+              <a:t>Add a new student to the database</a:t>
+            </a:r>
+          </a:p>
+          <a:p>
+            <a:pPr marL="800100" lvl="1" indent="-342900">
+              <a:buFont typeface="Arial" panose="020B0604020202020204" pitchFamily="34" charset="0"/>
+              <a:buChar char="•"/>
+            </a:pPr>
+            <a:r>
+              <a:rPr lang="en-US" sz="2000" b="1" dirty="0">
+                <a:solidFill>
+                  <a:schemeClr val="tx1"/>
+                </a:solidFill>
+              </a:rPr>
+              <a:t>Add a new student with the same name as an existing student.</a:t>
+            </a:r>
+          </a:p>
+          <a:p>
+            <a:pPr marL="800100" lvl="1" indent="-342900">
+              <a:buFont typeface="Arial" panose="020B0604020202020204" pitchFamily="34" charset="0"/>
+              <a:buChar char="•"/>
+            </a:pPr>
+            <a:r>
+              <a:rPr lang="en-US" sz="2000" b="1" dirty="0">
+                <a:solidFill>
+                  <a:schemeClr val="tx1"/>
+                </a:solidFill>
+              </a:rPr>
+              <a:t>Retrieve the transcript for a student</a:t>
+            </a:r>
+          </a:p>
+          <a:p>
+            <a:pPr marL="800100" lvl="1" indent="-342900">
+              <a:buFont typeface="Arial" panose="020B0604020202020204" pitchFamily="34" charset="0"/>
+              <a:buChar char="•"/>
+            </a:pPr>
+            <a:r>
+              <a:rPr lang="en-US" sz="2000" b="1" dirty="0">
+                <a:solidFill>
+                  <a:schemeClr val="tx1"/>
+                </a:solidFill>
+              </a:rPr>
+              <a:t>Delete a student from the database</a:t>
+            </a:r>
+          </a:p>
+          <a:p>
+            <a:pPr marL="800100" lvl="1" indent="-342900">
+              <a:buFont typeface="Arial" panose="020B0604020202020204" pitchFamily="34" charset="0"/>
+              <a:buChar char="•"/>
+            </a:pPr>
+            <a:r>
+              <a:rPr lang="en-US" sz="2000" b="1" dirty="0">
+                <a:solidFill>
+                  <a:schemeClr val="tx1"/>
+                </a:solidFill>
+              </a:rPr>
+              <a:t>Add a new grade for an existing student</a:t>
+            </a:r>
+          </a:p>
+          <a:p>
+            <a:pPr marL="800100" lvl="1" indent="-342900">
+              <a:buFont typeface="Arial" panose="020B0604020202020204" pitchFamily="34" charset="0"/>
+              <a:buChar char="•"/>
+            </a:pPr>
+            <a:r>
+              <a:rPr lang="en-US" sz="2000" b="1" dirty="0">
+                <a:solidFill>
+                  <a:schemeClr val="tx1"/>
+                </a:solidFill>
+              </a:rPr>
+              <a:t>Find out the grade that a student got in a course that they took</a:t>
+            </a:r>
+          </a:p>
+          <a:p>
+            <a:pPr marL="800100" lvl="1" indent="-342900">
+              <a:buFont typeface="Arial" panose="020B0604020202020204" pitchFamily="34" charset="0"/>
+              <a:buChar char="•"/>
+            </a:pPr>
+            <a:endParaRPr lang="en-US" sz="2400" b="1" dirty="0">
+              <a:solidFill>
+                <a:schemeClr val="tx1"/>
+              </a:solidFill>
+            </a:endParaRPr>
+          </a:p>
+        </p:txBody>
+      </p:sp>
+    </p:spTree>
+    <p:extLst>
+      <p:ext uri="{BB962C8B-B14F-4D97-AF65-F5344CB8AC3E}">
+        <p14:creationId xmlns:p14="http://schemas.microsoft.com/office/powerpoint/2010/main" val="3767598054"/>
+      </p:ext>
+    </p:extLst>
+  </p:cSld>
+  <p:clrMapOvr>
+    <a:masterClrMapping/>
+  </p:clrMapOvr>
+</p:sld>
+</file>
+
+<file path=ppt/slides/slide15.xml><?xml version="1.0" encoding="utf-8"?>
+<p:sld xmlns:a="http://schemas.openxmlformats.org/drawingml/2006/main" xmlns:r="http://schemas.openxmlformats.org/officeDocument/2006/relationships" xmlns:p="http://schemas.openxmlformats.org/presentationml/2006/main">
+  <p:cSld>
+    <p:spTree>
+      <p:nvGrpSpPr>
+        <p:cNvPr id="1" name=""/>
+        <p:cNvGrpSpPr/>
+        <p:nvPr/>
+      </p:nvGrpSpPr>
+      <p:grpSpPr>
+        <a:xfrm>
+          <a:off x="0" y="0"/>
+          <a:ext cx="0" cy="0"/>
+          <a:chOff x="0" y="0"/>
+          <a:chExt cx="0" cy="0"/>
+        </a:xfrm>
+      </p:grpSpPr>
+      <p:sp>
+        <p:nvSpPr>
+          <p:cNvPr id="2" name="Title 1">
+            <a:extLst>
+              <a:ext uri="{FF2B5EF4-FFF2-40B4-BE49-F238E27FC236}">
+                <a16:creationId xmlns:a16="http://schemas.microsoft.com/office/drawing/2014/main" id="{C2DE79C1-5AB5-8040-9F6A-9C0389FE1DBA}"/>
+              </a:ext>
+            </a:extLst>
+          </p:cNvPr>
+          <p:cNvSpPr>
+            <a:spLocks noGrp="1"/>
+          </p:cNvSpPr>
+          <p:nvPr>
+            <p:ph type="title"/>
+          </p:nvPr>
+        </p:nvSpPr>
+        <p:spPr/>
+        <p:txBody>
+          <a:bodyPr/>
+          <a:lstStyle/>
+          <a:p>
+            <a:r>
+              <a:rPr lang="en-US" dirty="0"/>
+              <a:t>User Stories: Example – Backup Software</a:t>
+            </a:r>
+          </a:p>
+        </p:txBody>
+      </p:sp>
+      <p:sp>
+        <p:nvSpPr>
+          <p:cNvPr id="4" name="Slide Number Placeholder 3">
+            <a:extLst>
+              <a:ext uri="{FF2B5EF4-FFF2-40B4-BE49-F238E27FC236}">
+                <a16:creationId xmlns:a16="http://schemas.microsoft.com/office/drawing/2014/main" id="{EB6258F6-2673-A748-BCFD-B5E43D7D4D9E}"/>
+              </a:ext>
+            </a:extLst>
+          </p:cNvPr>
+          <p:cNvSpPr>
+            <a:spLocks noGrp="1"/>
+          </p:cNvSpPr>
+          <p:nvPr>
+            <p:ph type="sldNum" sz="quarter" idx="12"/>
+          </p:nvPr>
+        </p:nvSpPr>
+        <p:spPr/>
+        <p:txBody>
+          <a:bodyPr/>
+          <a:lstStyle/>
+          <a:p>
+            <a:fld id="{20F37917-FD3A-4669-9018-DA04BCDD3D75}" type="slidenum">
+              <a:rPr lang="en-US" smtClean="0"/>
+              <a:t>15</a:t>
             </a:fld>
             <a:endParaRPr lang="en-US"/>
           </a:p>
@@ -12435,331 +12964,6 @@
 </p:sld>
 </file>
 
-<file path=ppt/slides/slide14.xml><?xml version="1.0" encoding="utf-8"?>
-<p:sld xmlns:a="http://schemas.openxmlformats.org/drawingml/2006/main" xmlns:r="http://schemas.openxmlformats.org/officeDocument/2006/relationships" xmlns:p="http://schemas.openxmlformats.org/presentationml/2006/main">
-  <p:cSld>
-    <p:spTree>
-      <p:nvGrpSpPr>
-        <p:cNvPr id="1" name=""/>
-        <p:cNvGrpSpPr/>
-        <p:nvPr/>
-      </p:nvGrpSpPr>
-      <p:grpSpPr>
-        <a:xfrm>
-          <a:off x="0" y="0"/>
-          <a:ext cx="0" cy="0"/>
-          <a:chOff x="0" y="0"/>
-          <a:chExt cx="0" cy="0"/>
-        </a:xfrm>
-      </p:grpSpPr>
-      <p:sp>
-        <p:nvSpPr>
-          <p:cNvPr id="2" name="Title 1">
-            <a:extLst>
-              <a:ext uri="{FF2B5EF4-FFF2-40B4-BE49-F238E27FC236}">
-                <a16:creationId xmlns:a16="http://schemas.microsoft.com/office/drawing/2014/main" id="{C2DE79C1-5AB5-8040-9F6A-9C0389FE1DBA}"/>
-              </a:ext>
-            </a:extLst>
-          </p:cNvPr>
-          <p:cNvSpPr>
-            <a:spLocks noGrp="1"/>
-          </p:cNvSpPr>
-          <p:nvPr>
-            <p:ph type="title"/>
-          </p:nvPr>
-        </p:nvSpPr>
-        <p:spPr/>
-        <p:txBody>
-          <a:bodyPr/>
-          <a:lstStyle/>
-          <a:p>
-            <a:r>
-              <a:rPr lang="en-US" dirty="0"/>
-              <a:t>Conditions of Satisfaction: Backup Software</a:t>
-            </a:r>
-          </a:p>
-        </p:txBody>
-      </p:sp>
-      <p:sp>
-        <p:nvSpPr>
-          <p:cNvPr id="3" name="Content Placeholder 2">
-            <a:extLst>
-              <a:ext uri="{FF2B5EF4-FFF2-40B4-BE49-F238E27FC236}">
-                <a16:creationId xmlns:a16="http://schemas.microsoft.com/office/drawing/2014/main" id="{34D3B817-F974-FA4D-8F92-DB80E73C89ED}"/>
-              </a:ext>
-            </a:extLst>
-          </p:cNvPr>
-          <p:cNvSpPr>
-            <a:spLocks noGrp="1"/>
-          </p:cNvSpPr>
-          <p:nvPr>
-            <p:ph sz="half" idx="1"/>
-          </p:nvPr>
-        </p:nvSpPr>
-        <p:spPr>
-          <a:xfrm>
-            <a:off x="838200" y="1825625"/>
-            <a:ext cx="10515600" cy="4351338"/>
-          </a:xfrm>
-        </p:spPr>
-        <p:txBody>
-          <a:bodyPr/>
-          <a:lstStyle/>
-          <a:p>
-            <a:r>
-              <a:rPr lang="en-US" dirty="0"/>
-              <a:t>How do we know if we have satisfied the user? Lots of detail doesn’t fit onto 3x5 card:</a:t>
-            </a:r>
-          </a:p>
-          <a:p>
-            <a:pPr lvl="1"/>
-            <a:r>
-              <a:rPr lang="en-US" dirty="0"/>
-              <a:t>Where do backups get saved?</a:t>
-            </a:r>
-          </a:p>
-          <a:p>
-            <a:pPr lvl="1"/>
-            <a:r>
-              <a:rPr lang="en-US" dirty="0"/>
-              <a:t>What if backup system is unavailable?</a:t>
-            </a:r>
-          </a:p>
-          <a:p>
-            <a:pPr lvl="1"/>
-            <a:r>
-              <a:rPr lang="en-US" dirty="0"/>
-              <a:t>What if backup system is full?</a:t>
-            </a:r>
-          </a:p>
-          <a:p>
-            <a:pPr lvl="1"/>
-            <a:r>
-              <a:rPr lang="en-US" dirty="0"/>
-              <a:t>Do backups ever get rotated/deleted?</a:t>
-            </a:r>
-          </a:p>
-          <a:p>
-            <a:r>
-              <a:rPr lang="en-US" dirty="0"/>
-              <a:t>Conditions of satisfaction are a list of common cases and special cases that must work</a:t>
-            </a:r>
-          </a:p>
-        </p:txBody>
-      </p:sp>
-      <p:sp>
-        <p:nvSpPr>
-          <p:cNvPr id="4" name="Slide Number Placeholder 3">
-            <a:extLst>
-              <a:ext uri="{FF2B5EF4-FFF2-40B4-BE49-F238E27FC236}">
-                <a16:creationId xmlns:a16="http://schemas.microsoft.com/office/drawing/2014/main" id="{EB6258F6-2673-A748-BCFD-B5E43D7D4D9E}"/>
-              </a:ext>
-            </a:extLst>
-          </p:cNvPr>
-          <p:cNvSpPr>
-            <a:spLocks noGrp="1"/>
-          </p:cNvSpPr>
-          <p:nvPr>
-            <p:ph type="sldNum" sz="quarter" idx="12"/>
-          </p:nvPr>
-        </p:nvSpPr>
-        <p:spPr/>
-        <p:txBody>
-          <a:bodyPr/>
-          <a:lstStyle/>
-          <a:p>
-            <a:fld id="{20F37917-FD3A-4669-9018-DA04BCDD3D75}" type="slidenum">
-              <a:rPr lang="en-US" smtClean="0"/>
-              <a:t>14</a:t>
-            </a:fld>
-            <a:endParaRPr lang="en-US"/>
-          </a:p>
-        </p:txBody>
-      </p:sp>
-    </p:spTree>
-    <p:extLst>
-      <p:ext uri="{BB962C8B-B14F-4D97-AF65-F5344CB8AC3E}">
-        <p14:creationId xmlns:p14="http://schemas.microsoft.com/office/powerpoint/2010/main" val="547370405"/>
-      </p:ext>
-    </p:extLst>
-  </p:cSld>
-  <p:clrMapOvr>
-    <a:masterClrMapping/>
-  </p:clrMapOvr>
-</p:sld>
-</file>
-
-<file path=ppt/slides/slide15.xml><?xml version="1.0" encoding="utf-8"?>
-<p:sld xmlns:a="http://schemas.openxmlformats.org/drawingml/2006/main" xmlns:r="http://schemas.openxmlformats.org/officeDocument/2006/relationships" xmlns:p="http://schemas.openxmlformats.org/presentationml/2006/main">
-  <p:cSld>
-    <p:spTree>
-      <p:nvGrpSpPr>
-        <p:cNvPr id="1" name=""/>
-        <p:cNvGrpSpPr/>
-        <p:nvPr/>
-      </p:nvGrpSpPr>
-      <p:grpSpPr>
-        <a:xfrm>
-          <a:off x="0" y="0"/>
-          <a:ext cx="0" cy="0"/>
-          <a:chOff x="0" y="0"/>
-          <a:chExt cx="0" cy="0"/>
-        </a:xfrm>
-      </p:grpSpPr>
-      <p:sp>
-        <p:nvSpPr>
-          <p:cNvPr id="2" name="Title 1">
-            <a:extLst>
-              <a:ext uri="{FF2B5EF4-FFF2-40B4-BE49-F238E27FC236}">
-                <a16:creationId xmlns:a16="http://schemas.microsoft.com/office/drawing/2014/main" id="{1D1A0EE3-B568-5449-9113-14FAA57F43C7}"/>
-              </a:ext>
-            </a:extLst>
-          </p:cNvPr>
-          <p:cNvSpPr>
-            <a:spLocks noGrp="1"/>
-          </p:cNvSpPr>
-          <p:nvPr>
-            <p:ph type="title"/>
-          </p:nvPr>
-        </p:nvSpPr>
-        <p:spPr/>
-        <p:txBody>
-          <a:bodyPr/>
-          <a:lstStyle/>
-          <a:p>
-            <a:r>
-              <a:rPr lang="en-US" dirty="0"/>
-              <a:t>Conditions of Satisfaction: Backup Software</a:t>
-            </a:r>
-          </a:p>
-        </p:txBody>
-      </p:sp>
-      <p:sp>
-        <p:nvSpPr>
-          <p:cNvPr id="3" name="Content Placeholder 2">
-            <a:extLst>
-              <a:ext uri="{FF2B5EF4-FFF2-40B4-BE49-F238E27FC236}">
-                <a16:creationId xmlns:a16="http://schemas.microsoft.com/office/drawing/2014/main" id="{BA47FD3B-0CCF-E74C-BEAA-A6EB69823A43}"/>
-              </a:ext>
-            </a:extLst>
-          </p:cNvPr>
-          <p:cNvSpPr>
-            <a:spLocks noGrp="1"/>
-          </p:cNvSpPr>
-          <p:nvPr>
-            <p:ph sz="half" idx="1"/>
-          </p:nvPr>
-        </p:nvSpPr>
-        <p:spPr>
-          <a:xfrm>
-            <a:off x="838200" y="1825625"/>
-            <a:ext cx="9982200" cy="4351338"/>
-          </a:xfrm>
-        </p:spPr>
-        <p:txBody>
-          <a:bodyPr/>
-          <a:lstStyle/>
-          <a:p>
-            <a:r>
-              <a:rPr lang="en-US" dirty="0"/>
-              <a:t>“As a t</a:t>
-            </a:r>
-            <a:r>
-              <a:rPr lang="en-US" u="sng" dirty="0"/>
-              <a:t>ypical computer user</a:t>
-            </a:r>
-            <a:r>
-              <a:rPr lang="en-US" dirty="0"/>
-              <a:t>, I want to </a:t>
-            </a:r>
-            <a:r>
-              <a:rPr lang="en-US" u="sng" dirty="0"/>
-              <a:t>specify folders to backup</a:t>
-            </a:r>
-            <a:r>
-              <a:rPr lang="en-US" dirty="0"/>
-              <a:t>, so that </a:t>
-            </a:r>
-            <a:r>
-              <a:rPr lang="en-US" u="sng" dirty="0"/>
-              <a:t>my most important files are safe</a:t>
-            </a:r>
-            <a:r>
-              <a:rPr lang="en-US" dirty="0"/>
-              <a:t>”</a:t>
-            </a:r>
-          </a:p>
-          <a:p>
-            <a:r>
-              <a:rPr lang="en-US" dirty="0"/>
-              <a:t>My conditions of satisfaction are:</a:t>
-            </a:r>
-          </a:p>
-          <a:p>
-            <a:pPr lvl="1"/>
-            <a:r>
-              <a:rPr lang="en-US" dirty="0"/>
-              <a:t>If the network and remote backup service are available, and I am not over my storage quota, the backup should be successful.</a:t>
-            </a:r>
-          </a:p>
-          <a:p>
-            <a:pPr lvl="1"/>
-            <a:r>
-              <a:rPr lang="en-US" dirty="0"/>
-              <a:t>After successfully running, an updated copy of each of the files that I have requested to be backed up are stored in a redundant, cloud filesystem</a:t>
-            </a:r>
-          </a:p>
-          <a:p>
-            <a:pPr lvl="1"/>
-            <a:r>
-              <a:rPr lang="en-US" dirty="0"/>
-              <a:t>If a backup is not successful, an error message is prominently displayed indicating the cause of failure to be in the software, the network, the remote backup storage, or other</a:t>
-            </a:r>
-          </a:p>
-        </p:txBody>
-      </p:sp>
-      <p:sp>
-        <p:nvSpPr>
-          <p:cNvPr id="5" name="Slide Number Placeholder 4">
-            <a:extLst>
-              <a:ext uri="{FF2B5EF4-FFF2-40B4-BE49-F238E27FC236}">
-                <a16:creationId xmlns:a16="http://schemas.microsoft.com/office/drawing/2014/main" id="{735C1EAC-F071-1843-9A3A-04DC5304ACC7}"/>
-              </a:ext>
-            </a:extLst>
-          </p:cNvPr>
-          <p:cNvSpPr>
-            <a:spLocks noGrp="1"/>
-          </p:cNvSpPr>
-          <p:nvPr>
-            <p:ph type="sldNum" sz="quarter" idx="12"/>
-          </p:nvPr>
-        </p:nvSpPr>
-        <p:spPr/>
-        <p:txBody>
-          <a:bodyPr/>
-          <a:lstStyle/>
-          <a:p>
-            <a:fld id="{20F37917-FD3A-4669-9018-DA04BCDD3D75}" type="slidenum">
-              <a:rPr lang="en-US" smtClean="0"/>
-              <a:t>15</a:t>
-            </a:fld>
-            <a:endParaRPr lang="en-US"/>
-          </a:p>
-        </p:txBody>
-      </p:sp>
-    </p:spTree>
-    <p:extLst>
-      <p:ext uri="{BB962C8B-B14F-4D97-AF65-F5344CB8AC3E}">
-        <p14:creationId xmlns:p14="http://schemas.microsoft.com/office/powerpoint/2010/main" val="2121797437"/>
-      </p:ext>
-    </p:extLst>
-  </p:cSld>
-  <p:clrMapOvr>
-    <a:masterClrMapping/>
-  </p:clrMapOvr>
-</p:sld>
-</file>
-
 <file path=ppt/slides/slide16.xml><?xml version="1.0" encoding="utf-8"?>
 <p:sld xmlns:a="http://schemas.openxmlformats.org/drawingml/2006/main" xmlns:r="http://schemas.openxmlformats.org/officeDocument/2006/relationships" xmlns:p="http://schemas.openxmlformats.org/presentationml/2006/main">
   <p:cSld>
@@ -12782,7 +12986,7 @@
           <p:cNvPr id="2" name="Title 1">
             <a:extLst>
               <a:ext uri="{FF2B5EF4-FFF2-40B4-BE49-F238E27FC236}">
-                <a16:creationId xmlns:a16="http://schemas.microsoft.com/office/drawing/2014/main" id="{16F86D58-152F-496B-BA81-FDA5B100832A}"/>
+                <a16:creationId xmlns:a16="http://schemas.microsoft.com/office/drawing/2014/main" id="{C2DE79C1-5AB5-8040-9F6A-9C0389FE1DBA}"/>
               </a:ext>
             </a:extLst>
           </p:cNvPr>
@@ -12800,7 +13004,7 @@
           <a:p>
             <a:r>
               <a:rPr lang="en-US" dirty="0"/>
-              <a:t>Non-Functional Requirements: Backup Software</a:t>
+              <a:t>Conditions of Satisfaction: Backup Software</a:t>
             </a:r>
           </a:p>
         </p:txBody>
@@ -12810,7 +13014,7 @@
           <p:cNvPr id="3" name="Content Placeholder 2">
             <a:extLst>
               <a:ext uri="{FF2B5EF4-FFF2-40B4-BE49-F238E27FC236}">
-                <a16:creationId xmlns:a16="http://schemas.microsoft.com/office/drawing/2014/main" id="{E9F968A6-CC31-4AE6-83F3-85021744E177}"/>
+                <a16:creationId xmlns:a16="http://schemas.microsoft.com/office/drawing/2014/main" id="{34D3B817-F974-FA4D-8F92-DB80E73C89ED}"/>
               </a:ext>
             </a:extLst>
           </p:cNvPr>
@@ -12818,12 +13022,12 @@
             <a:spLocks noGrp="1"/>
           </p:cNvSpPr>
           <p:nvPr>
-            <p:ph idx="1"/>
+            <p:ph sz="half" idx="1"/>
           </p:nvPr>
         </p:nvSpPr>
         <p:spPr>
           <a:xfrm>
-            <a:off x="838200" y="1500160"/>
+            <a:off x="838200" y="1825625"/>
             <a:ext cx="10515600" cy="4351338"/>
           </a:xfrm>
         </p:spPr>
@@ -12833,35 +13037,41 @@
           <a:p>
             <a:r>
               <a:rPr lang="en-US" dirty="0"/>
-              <a:t>Does “After successfully running, an updated copy of each of the files that I have requested to be backed up are stored in a redundant, cloud filesystem” guarantee success?</a:t>
+              <a:t>How do we know if we have satisfied the user? Lots of detail doesn’t fit onto 3x5 card:</a:t>
             </a:r>
           </a:p>
           <a:p>
             <a:pPr lvl="1"/>
             <a:r>
               <a:rPr lang="en-US" dirty="0"/>
-              <a:t>What was the transfer speed? (Performance)</a:t>
+              <a:t>Where do backups get saved?</a:t>
             </a:r>
           </a:p>
           <a:p>
             <a:pPr lvl="1"/>
             <a:r>
               <a:rPr lang="en-US" dirty="0"/>
-              <a:t>How much temporary disk space did it use to create the backup? (Performance)</a:t>
+              <a:t>What if backup system is unavailable?</a:t>
             </a:r>
           </a:p>
           <a:p>
             <a:pPr lvl="1"/>
             <a:r>
               <a:rPr lang="en-US" dirty="0"/>
-              <a:t>How long did I spend on the phone with support to set up the software? (Usability)</a:t>
+              <a:t>What if backup system is full?</a:t>
             </a:r>
           </a:p>
           <a:p>
             <a:pPr lvl="1"/>
             <a:r>
               <a:rPr lang="en-US" dirty="0"/>
-              <a:t>Are my files encrypted, or access controlled at all? (Security)</a:t>
+              <a:t>Do backups ever get rotated/deleted?</a:t>
+            </a:r>
+          </a:p>
+          <a:p>
+            <a:r>
+              <a:rPr lang="en-US" dirty="0"/>
+              <a:t>Conditions of satisfaction are a list of common cases and special cases that must work</a:t>
             </a:r>
           </a:p>
         </p:txBody>
@@ -12871,7 +13081,7 @@
           <p:cNvPr id="4" name="Slide Number Placeholder 3">
             <a:extLst>
               <a:ext uri="{FF2B5EF4-FFF2-40B4-BE49-F238E27FC236}">
-                <a16:creationId xmlns:a16="http://schemas.microsoft.com/office/drawing/2014/main" id="{C7C3DEB3-F948-4B7E-8BDA-FB7ABCF7A993}"/>
+                <a16:creationId xmlns:a16="http://schemas.microsoft.com/office/drawing/2014/main" id="{EB6258F6-2673-A748-BCFD-B5E43D7D4D9E}"/>
               </a:ext>
             </a:extLst>
           </p:cNvPr>
@@ -12898,7 +13108,7 @@
     </p:spTree>
     <p:extLst>
       <p:ext uri="{BB962C8B-B14F-4D97-AF65-F5344CB8AC3E}">
-        <p14:creationId xmlns:p14="http://schemas.microsoft.com/office/powerpoint/2010/main" val="3635116464"/>
+        <p14:creationId xmlns:p14="http://schemas.microsoft.com/office/powerpoint/2010/main" val="547370405"/>
       </p:ext>
     </p:extLst>
   </p:cSld>
@@ -12930,7 +13140,7 @@
           <p:cNvPr id="2" name="Title 1">
             <a:extLst>
               <a:ext uri="{FF2B5EF4-FFF2-40B4-BE49-F238E27FC236}">
-                <a16:creationId xmlns:a16="http://schemas.microsoft.com/office/drawing/2014/main" id="{16F86D58-152F-496B-BA81-FDA5B100832A}"/>
+                <a16:creationId xmlns:a16="http://schemas.microsoft.com/office/drawing/2014/main" id="{1D1A0EE3-B568-5449-9113-14FAA57F43C7}"/>
               </a:ext>
             </a:extLst>
           </p:cNvPr>
@@ -12948,17 +13158,101 @@
           <a:p>
             <a:r>
               <a:rPr lang="en-US" dirty="0"/>
-              <a:t>Requirements: Which to pick?</a:t>
-            </a:r>
-          </a:p>
-        </p:txBody>
-      </p:sp>
-      <p:sp>
-        <p:nvSpPr>
-          <p:cNvPr id="4" name="Slide Number Placeholder 3">
+              <a:t>Conditions of Satisfaction: Backup Software</a:t>
+            </a:r>
+          </a:p>
+        </p:txBody>
+      </p:sp>
+      <p:sp>
+        <p:nvSpPr>
+          <p:cNvPr id="3" name="Content Placeholder 2">
             <a:extLst>
               <a:ext uri="{FF2B5EF4-FFF2-40B4-BE49-F238E27FC236}">
-                <a16:creationId xmlns:a16="http://schemas.microsoft.com/office/drawing/2014/main" id="{C7C3DEB3-F948-4B7E-8BDA-FB7ABCF7A993}"/>
+                <a16:creationId xmlns:a16="http://schemas.microsoft.com/office/drawing/2014/main" id="{BA47FD3B-0CCF-E74C-BEAA-A6EB69823A43}"/>
+              </a:ext>
+            </a:extLst>
+          </p:cNvPr>
+          <p:cNvSpPr>
+            <a:spLocks noGrp="1"/>
+          </p:cNvSpPr>
+          <p:nvPr>
+            <p:ph sz="half" idx="1"/>
+          </p:nvPr>
+        </p:nvSpPr>
+        <p:spPr>
+          <a:xfrm>
+            <a:off x="838200" y="1825625"/>
+            <a:ext cx="9982200" cy="4351338"/>
+          </a:xfrm>
+        </p:spPr>
+        <p:txBody>
+          <a:bodyPr/>
+          <a:lstStyle/>
+          <a:p>
+            <a:r>
+              <a:rPr lang="en-US" dirty="0"/>
+              <a:t>“As a t</a:t>
+            </a:r>
+            <a:r>
+              <a:rPr lang="en-US" u="sng" dirty="0"/>
+              <a:t>ypical computer user</a:t>
+            </a:r>
+            <a:r>
+              <a:rPr lang="en-US" dirty="0"/>
+              <a:t>, I want to </a:t>
+            </a:r>
+            <a:r>
+              <a:rPr lang="en-US" u="sng" dirty="0"/>
+              <a:t>specify folders to backup</a:t>
+            </a:r>
+            <a:r>
+              <a:rPr lang="en-US" dirty="0"/>
+              <a:t>, so that </a:t>
+            </a:r>
+            <a:r>
+              <a:rPr lang="en-US" u="sng" dirty="0"/>
+              <a:t>my most important files are safe</a:t>
+            </a:r>
+            <a:r>
+              <a:rPr lang="en-US" dirty="0"/>
+              <a:t>”</a:t>
+            </a:r>
+          </a:p>
+          <a:p>
+            <a:r>
+              <a:rPr lang="en-US" dirty="0"/>
+              <a:t>My conditions of satisfaction are:</a:t>
+            </a:r>
+          </a:p>
+          <a:p>
+            <a:pPr lvl="1"/>
+            <a:r>
+              <a:rPr lang="en-US" dirty="0"/>
+              <a:t>If the network and remote backup service are available, and I am not over my storage quota, the backup should be successful.</a:t>
+            </a:r>
+          </a:p>
+          <a:p>
+            <a:pPr lvl="1"/>
+            <a:r>
+              <a:rPr lang="en-US" dirty="0"/>
+              <a:t>After successfully running, an updated copy of each of the files that I have requested to be backed up are stored in a redundant, cloud filesystem</a:t>
+            </a:r>
+          </a:p>
+          <a:p>
+            <a:pPr lvl="1"/>
+            <a:r>
+              <a:rPr lang="en-US" dirty="0"/>
+              <a:t>If a backup is not successful, an error message is prominently displayed indicating the cause of failure to be in the software, the network, the remote backup storage, or other</a:t>
+            </a:r>
+          </a:p>
+        </p:txBody>
+      </p:sp>
+      <p:sp>
+        <p:nvSpPr>
+          <p:cNvPr id="5" name="Slide Number Placeholder 4">
+            <a:extLst>
+              <a:ext uri="{FF2B5EF4-FFF2-40B4-BE49-F238E27FC236}">
+                <a16:creationId xmlns:a16="http://schemas.microsoft.com/office/drawing/2014/main" id="{735C1EAC-F071-1843-9A3A-04DC5304ACC7}"/>
               </a:ext>
             </a:extLst>
           </p:cNvPr>
@@ -12977,6 +13271,241 @@
             <a:fld id="{20F37917-FD3A-4669-9018-DA04BCDD3D75}" type="slidenum">
               <a:rPr lang="en-US" smtClean="0"/>
               <a:t>17</a:t>
+            </a:fld>
+            <a:endParaRPr lang="en-US"/>
+          </a:p>
+        </p:txBody>
+      </p:sp>
+    </p:spTree>
+    <p:extLst>
+      <p:ext uri="{BB962C8B-B14F-4D97-AF65-F5344CB8AC3E}">
+        <p14:creationId xmlns:p14="http://schemas.microsoft.com/office/powerpoint/2010/main" val="2121797437"/>
+      </p:ext>
+    </p:extLst>
+  </p:cSld>
+  <p:clrMapOvr>
+    <a:masterClrMapping/>
+  </p:clrMapOvr>
+</p:sld>
+</file>
+
+<file path=ppt/slides/slide18.xml><?xml version="1.0" encoding="utf-8"?>
+<p:sld xmlns:a="http://schemas.openxmlformats.org/drawingml/2006/main" xmlns:r="http://schemas.openxmlformats.org/officeDocument/2006/relationships" xmlns:p="http://schemas.openxmlformats.org/presentationml/2006/main">
+  <p:cSld>
+    <p:spTree>
+      <p:nvGrpSpPr>
+        <p:cNvPr id="1" name=""/>
+        <p:cNvGrpSpPr/>
+        <p:nvPr/>
+      </p:nvGrpSpPr>
+      <p:grpSpPr>
+        <a:xfrm>
+          <a:off x="0" y="0"/>
+          <a:ext cx="0" cy="0"/>
+          <a:chOff x="0" y="0"/>
+          <a:chExt cx="0" cy="0"/>
+        </a:xfrm>
+      </p:grpSpPr>
+      <p:sp>
+        <p:nvSpPr>
+          <p:cNvPr id="2" name="Title 1">
+            <a:extLst>
+              <a:ext uri="{FF2B5EF4-FFF2-40B4-BE49-F238E27FC236}">
+                <a16:creationId xmlns:a16="http://schemas.microsoft.com/office/drawing/2014/main" id="{16F86D58-152F-496B-BA81-FDA5B100832A}"/>
+              </a:ext>
+            </a:extLst>
+          </p:cNvPr>
+          <p:cNvSpPr>
+            <a:spLocks noGrp="1"/>
+          </p:cNvSpPr>
+          <p:nvPr>
+            <p:ph type="title"/>
+          </p:nvPr>
+        </p:nvSpPr>
+        <p:spPr/>
+        <p:txBody>
+          <a:bodyPr/>
+          <a:lstStyle/>
+          <a:p>
+            <a:r>
+              <a:rPr lang="en-US" dirty="0"/>
+              <a:t>Non-Functional Requirements: Backup Software</a:t>
+            </a:r>
+          </a:p>
+        </p:txBody>
+      </p:sp>
+      <p:sp>
+        <p:nvSpPr>
+          <p:cNvPr id="3" name="Content Placeholder 2">
+            <a:extLst>
+              <a:ext uri="{FF2B5EF4-FFF2-40B4-BE49-F238E27FC236}">
+                <a16:creationId xmlns:a16="http://schemas.microsoft.com/office/drawing/2014/main" id="{E9F968A6-CC31-4AE6-83F3-85021744E177}"/>
+              </a:ext>
+            </a:extLst>
+          </p:cNvPr>
+          <p:cNvSpPr>
+            <a:spLocks noGrp="1"/>
+          </p:cNvSpPr>
+          <p:nvPr>
+            <p:ph idx="1"/>
+          </p:nvPr>
+        </p:nvSpPr>
+        <p:spPr>
+          <a:xfrm>
+            <a:off x="838200" y="1500160"/>
+            <a:ext cx="10515600" cy="4351338"/>
+          </a:xfrm>
+        </p:spPr>
+        <p:txBody>
+          <a:bodyPr/>
+          <a:lstStyle/>
+          <a:p>
+            <a:r>
+              <a:rPr lang="en-US" dirty="0"/>
+              <a:t>Does “After successfully running, an updated copy of each of the files that I have requested to be backed up are stored in a redundant, cloud filesystem” guarantee success?</a:t>
+            </a:r>
+          </a:p>
+          <a:p>
+            <a:pPr lvl="1"/>
+            <a:r>
+              <a:rPr lang="en-US" dirty="0"/>
+              <a:t>What was the transfer speed? (Performance)</a:t>
+            </a:r>
+          </a:p>
+          <a:p>
+            <a:pPr lvl="1"/>
+            <a:r>
+              <a:rPr lang="en-US" dirty="0"/>
+              <a:t>How much temporary disk space did it use to create the backup? (Performance)</a:t>
+            </a:r>
+          </a:p>
+          <a:p>
+            <a:pPr lvl="1"/>
+            <a:r>
+              <a:rPr lang="en-US" dirty="0"/>
+              <a:t>How long did I spend on the phone with support to set up the software? (Usability)</a:t>
+            </a:r>
+          </a:p>
+          <a:p>
+            <a:pPr lvl="1"/>
+            <a:r>
+              <a:rPr lang="en-US" dirty="0"/>
+              <a:t>Are my files encrypted, or access controlled at all? (Security)</a:t>
+            </a:r>
+          </a:p>
+        </p:txBody>
+      </p:sp>
+      <p:sp>
+        <p:nvSpPr>
+          <p:cNvPr id="4" name="Slide Number Placeholder 3">
+            <a:extLst>
+              <a:ext uri="{FF2B5EF4-FFF2-40B4-BE49-F238E27FC236}">
+                <a16:creationId xmlns:a16="http://schemas.microsoft.com/office/drawing/2014/main" id="{C7C3DEB3-F948-4B7E-8BDA-FB7ABCF7A993}"/>
+              </a:ext>
+            </a:extLst>
+          </p:cNvPr>
+          <p:cNvSpPr>
+            <a:spLocks noGrp="1"/>
+          </p:cNvSpPr>
+          <p:nvPr>
+            <p:ph type="sldNum" sz="quarter" idx="12"/>
+          </p:nvPr>
+        </p:nvSpPr>
+        <p:spPr/>
+        <p:txBody>
+          <a:bodyPr/>
+          <a:lstStyle/>
+          <a:p>
+            <a:fld id="{20F37917-FD3A-4669-9018-DA04BCDD3D75}" type="slidenum">
+              <a:rPr lang="en-US" smtClean="0"/>
+              <a:t>18</a:t>
+            </a:fld>
+            <a:endParaRPr lang="en-US"/>
+          </a:p>
+        </p:txBody>
+      </p:sp>
+    </p:spTree>
+    <p:extLst>
+      <p:ext uri="{BB962C8B-B14F-4D97-AF65-F5344CB8AC3E}">
+        <p14:creationId xmlns:p14="http://schemas.microsoft.com/office/powerpoint/2010/main" val="3635116464"/>
+      </p:ext>
+    </p:extLst>
+  </p:cSld>
+  <p:clrMapOvr>
+    <a:masterClrMapping/>
+  </p:clrMapOvr>
+</p:sld>
+</file>
+
+<file path=ppt/slides/slide19.xml><?xml version="1.0" encoding="utf-8"?>
+<p:sld xmlns:a="http://schemas.openxmlformats.org/drawingml/2006/main" xmlns:r="http://schemas.openxmlformats.org/officeDocument/2006/relationships" xmlns:p="http://schemas.openxmlformats.org/presentationml/2006/main">
+  <p:cSld>
+    <p:spTree>
+      <p:nvGrpSpPr>
+        <p:cNvPr id="1" name=""/>
+        <p:cNvGrpSpPr/>
+        <p:nvPr/>
+      </p:nvGrpSpPr>
+      <p:grpSpPr>
+        <a:xfrm>
+          <a:off x="0" y="0"/>
+          <a:ext cx="0" cy="0"/>
+          <a:chOff x="0" y="0"/>
+          <a:chExt cx="0" cy="0"/>
+        </a:xfrm>
+      </p:grpSpPr>
+      <p:sp>
+        <p:nvSpPr>
+          <p:cNvPr id="2" name="Title 1">
+            <a:extLst>
+              <a:ext uri="{FF2B5EF4-FFF2-40B4-BE49-F238E27FC236}">
+                <a16:creationId xmlns:a16="http://schemas.microsoft.com/office/drawing/2014/main" id="{16F86D58-152F-496B-BA81-FDA5B100832A}"/>
+              </a:ext>
+            </a:extLst>
+          </p:cNvPr>
+          <p:cNvSpPr>
+            <a:spLocks noGrp="1"/>
+          </p:cNvSpPr>
+          <p:nvPr>
+            <p:ph type="title"/>
+          </p:nvPr>
+        </p:nvSpPr>
+        <p:spPr/>
+        <p:txBody>
+          <a:bodyPr/>
+          <a:lstStyle/>
+          <a:p>
+            <a:r>
+              <a:rPr lang="en-US" dirty="0"/>
+              <a:t>Requirements: Which to pick?</a:t>
+            </a:r>
+          </a:p>
+        </p:txBody>
+      </p:sp>
+      <p:sp>
+        <p:nvSpPr>
+          <p:cNvPr id="4" name="Slide Number Placeholder 3">
+            <a:extLst>
+              <a:ext uri="{FF2B5EF4-FFF2-40B4-BE49-F238E27FC236}">
+                <a16:creationId xmlns:a16="http://schemas.microsoft.com/office/drawing/2014/main" id="{C7C3DEB3-F948-4B7E-8BDA-FB7ABCF7A993}"/>
+              </a:ext>
+            </a:extLst>
+          </p:cNvPr>
+          <p:cNvSpPr>
+            <a:spLocks noGrp="1"/>
+          </p:cNvSpPr>
+          <p:nvPr>
+            <p:ph type="sldNum" sz="quarter" idx="12"/>
+          </p:nvPr>
+        </p:nvSpPr>
+        <p:spPr/>
+        <p:txBody>
+          <a:bodyPr/>
+          <a:lstStyle/>
+          <a:p>
+            <a:fld id="{20F37917-FD3A-4669-9018-DA04BCDD3D75}" type="slidenum">
+              <a:rPr lang="en-US" smtClean="0"/>
+              <a:t>19</a:t>
             </a:fld>
             <a:endParaRPr lang="en-US"/>
           </a:p>
@@ -13127,154 +13656,6 @@
 </p:sld>
 </file>
 
-<file path=ppt/slides/slide18.xml><?xml version="1.0" encoding="utf-8"?>
-<p:sld xmlns:a="http://schemas.openxmlformats.org/drawingml/2006/main" xmlns:r="http://schemas.openxmlformats.org/officeDocument/2006/relationships" xmlns:p="http://schemas.openxmlformats.org/presentationml/2006/main">
-  <p:cSld>
-    <p:spTree>
-      <p:nvGrpSpPr>
-        <p:cNvPr id="1" name=""/>
-        <p:cNvGrpSpPr/>
-        <p:nvPr/>
-      </p:nvGrpSpPr>
-      <p:grpSpPr>
-        <a:xfrm>
-          <a:off x="0" y="0"/>
-          <a:ext cx="0" cy="0"/>
-          <a:chOff x="0" y="0"/>
-          <a:chExt cx="0" cy="0"/>
-        </a:xfrm>
-      </p:grpSpPr>
-      <p:sp>
-        <p:nvSpPr>
-          <p:cNvPr id="2" name="Title 1">
-            <a:extLst>
-              <a:ext uri="{FF2B5EF4-FFF2-40B4-BE49-F238E27FC236}">
-                <a16:creationId xmlns:a16="http://schemas.microsoft.com/office/drawing/2014/main" id="{E743D407-5B53-49A7-9907-E801EA7FFD8E}"/>
-              </a:ext>
-            </a:extLst>
-          </p:cNvPr>
-          <p:cNvSpPr>
-            <a:spLocks noGrp="1"/>
-          </p:cNvSpPr>
-          <p:nvPr>
-            <p:ph type="title"/>
-          </p:nvPr>
-        </p:nvSpPr>
-        <p:spPr/>
-        <p:txBody>
-          <a:bodyPr/>
-          <a:lstStyle/>
-          <a:p>
-            <a:r>
-              <a:rPr lang="en-US" dirty="0"/>
-              <a:t>Learning Goals for this Lesson</a:t>
-            </a:r>
-          </a:p>
-        </p:txBody>
-      </p:sp>
-      <p:sp>
-        <p:nvSpPr>
-          <p:cNvPr id="3" name="Content Placeholder 2">
-            <a:extLst>
-              <a:ext uri="{FF2B5EF4-FFF2-40B4-BE49-F238E27FC236}">
-                <a16:creationId xmlns:a16="http://schemas.microsoft.com/office/drawing/2014/main" id="{AC300E2B-BFD0-4090-AFC5-FE82683F997F}"/>
-              </a:ext>
-            </a:extLst>
-          </p:cNvPr>
-          <p:cNvSpPr>
-            <a:spLocks noGrp="1"/>
-          </p:cNvSpPr>
-          <p:nvPr>
-            <p:ph idx="1"/>
-          </p:nvPr>
-        </p:nvSpPr>
-        <p:spPr>
-          <a:xfrm>
-            <a:off x="838199" y="1500160"/>
-            <a:ext cx="10515599" cy="4351338"/>
-          </a:xfrm>
-        </p:spPr>
-        <p:txBody>
-          <a:bodyPr/>
-          <a:lstStyle/>
-          <a:p>
-            <a:r>
-              <a:rPr lang="en-US" dirty="0"/>
-              <a:t>At the end of this lesson, you should be able to</a:t>
-            </a:r>
-          </a:p>
-          <a:p>
-            <a:pPr lvl="1"/>
-            <a:r>
-              <a:rPr lang="en-US" dirty="0"/>
-              <a:t>Explain the overall purposes of requirements analysis</a:t>
-            </a:r>
-          </a:p>
-          <a:p>
-            <a:pPr lvl="1"/>
-            <a:r>
-              <a:rPr lang="en-US" dirty="0"/>
-              <a:t>Enumerate and explain 3 major dimensions of risk in Requirements Analysis</a:t>
-            </a:r>
-          </a:p>
-          <a:p>
-            <a:pPr lvl="1"/>
-            <a:r>
-              <a:rPr lang="en-US" dirty="0"/>
-              <a:t>Explain the difference between functional and non-functional requirements, and give examples of each  </a:t>
-            </a:r>
-          </a:p>
-          <a:p>
-            <a:pPr lvl="1"/>
-            <a:r>
-              <a:rPr lang="en-US" dirty="0"/>
-              <a:t>Explain the notion of a user story, with examples.  (including conditions of satisfaction)</a:t>
-            </a:r>
-          </a:p>
-        </p:txBody>
-      </p:sp>
-      <p:sp>
-        <p:nvSpPr>
-          <p:cNvPr id="4" name="Slide Number Placeholder 3">
-            <a:extLst>
-              <a:ext uri="{FF2B5EF4-FFF2-40B4-BE49-F238E27FC236}">
-                <a16:creationId xmlns:a16="http://schemas.microsoft.com/office/drawing/2014/main" id="{B7BF3F82-6F96-41E0-9C15-23CE00076176}"/>
-              </a:ext>
-            </a:extLst>
-          </p:cNvPr>
-          <p:cNvSpPr>
-            <a:spLocks noGrp="1"/>
-          </p:cNvSpPr>
-          <p:nvPr>
-            <p:ph type="sldNum" sz="quarter" idx="12"/>
-          </p:nvPr>
-        </p:nvSpPr>
-        <p:spPr/>
-        <p:txBody>
-          <a:bodyPr/>
-          <a:lstStyle/>
-          <a:p>
-            <a:fld id="{20F37917-FD3A-4669-9018-DA04BCDD3D75}" type="slidenum">
-              <a:rPr lang="en-US" smtClean="0"/>
-              <a:t>18</a:t>
-            </a:fld>
-            <a:endParaRPr lang="en-US"/>
-          </a:p>
-        </p:txBody>
-      </p:sp>
-    </p:spTree>
-    <p:extLst>
-      <p:ext uri="{BB962C8B-B14F-4D97-AF65-F5344CB8AC3E}">
-        <p14:creationId xmlns:p14="http://schemas.microsoft.com/office/powerpoint/2010/main" val="673410589"/>
-      </p:ext>
-    </p:extLst>
-  </p:cSld>
-  <p:clrMapOvr>
-    <a:masterClrMapping/>
-  </p:clrMapOvr>
-</p:sld>
-</file>
-
 <file path=ppt/slides/slide2.xml><?xml version="1.0" encoding="utf-8"?>
 <p:sld xmlns:a="http://schemas.openxmlformats.org/drawingml/2006/main" xmlns:r="http://schemas.openxmlformats.org/officeDocument/2006/relationships" xmlns:p="http://schemas.openxmlformats.org/presentationml/2006/main">
   <p:cSld>
@@ -13414,6 +13795,154 @@
     <p:extLst>
       <p:ext uri="{BB962C8B-B14F-4D97-AF65-F5344CB8AC3E}">
         <p14:creationId xmlns:p14="http://schemas.microsoft.com/office/powerpoint/2010/main" val="3019279322"/>
+      </p:ext>
+    </p:extLst>
+  </p:cSld>
+  <p:clrMapOvr>
+    <a:masterClrMapping/>
+  </p:clrMapOvr>
+</p:sld>
+</file>
+
+<file path=ppt/slides/slide20.xml><?xml version="1.0" encoding="utf-8"?>
+<p:sld xmlns:a="http://schemas.openxmlformats.org/drawingml/2006/main" xmlns:r="http://schemas.openxmlformats.org/officeDocument/2006/relationships" xmlns:p="http://schemas.openxmlformats.org/presentationml/2006/main">
+  <p:cSld>
+    <p:spTree>
+      <p:nvGrpSpPr>
+        <p:cNvPr id="1" name=""/>
+        <p:cNvGrpSpPr/>
+        <p:nvPr/>
+      </p:nvGrpSpPr>
+      <p:grpSpPr>
+        <a:xfrm>
+          <a:off x="0" y="0"/>
+          <a:ext cx="0" cy="0"/>
+          <a:chOff x="0" y="0"/>
+          <a:chExt cx="0" cy="0"/>
+        </a:xfrm>
+      </p:grpSpPr>
+      <p:sp>
+        <p:nvSpPr>
+          <p:cNvPr id="2" name="Title 1">
+            <a:extLst>
+              <a:ext uri="{FF2B5EF4-FFF2-40B4-BE49-F238E27FC236}">
+                <a16:creationId xmlns:a16="http://schemas.microsoft.com/office/drawing/2014/main" id="{E743D407-5B53-49A7-9907-E801EA7FFD8E}"/>
+              </a:ext>
+            </a:extLst>
+          </p:cNvPr>
+          <p:cNvSpPr>
+            <a:spLocks noGrp="1"/>
+          </p:cNvSpPr>
+          <p:nvPr>
+            <p:ph type="title"/>
+          </p:nvPr>
+        </p:nvSpPr>
+        <p:spPr/>
+        <p:txBody>
+          <a:bodyPr/>
+          <a:lstStyle/>
+          <a:p>
+            <a:r>
+              <a:rPr lang="en-US" dirty="0"/>
+              <a:t>Learning Goals for this Lesson</a:t>
+            </a:r>
+          </a:p>
+        </p:txBody>
+      </p:sp>
+      <p:sp>
+        <p:nvSpPr>
+          <p:cNvPr id="3" name="Content Placeholder 2">
+            <a:extLst>
+              <a:ext uri="{FF2B5EF4-FFF2-40B4-BE49-F238E27FC236}">
+                <a16:creationId xmlns:a16="http://schemas.microsoft.com/office/drawing/2014/main" id="{AC300E2B-BFD0-4090-AFC5-FE82683F997F}"/>
+              </a:ext>
+            </a:extLst>
+          </p:cNvPr>
+          <p:cNvSpPr>
+            <a:spLocks noGrp="1"/>
+          </p:cNvSpPr>
+          <p:nvPr>
+            <p:ph idx="1"/>
+          </p:nvPr>
+        </p:nvSpPr>
+        <p:spPr>
+          <a:xfrm>
+            <a:off x="838199" y="1500160"/>
+            <a:ext cx="10515599" cy="4351338"/>
+          </a:xfrm>
+        </p:spPr>
+        <p:txBody>
+          <a:bodyPr/>
+          <a:lstStyle/>
+          <a:p>
+            <a:r>
+              <a:rPr lang="en-US" dirty="0"/>
+              <a:t>At the end of this lesson, you should be able to</a:t>
+            </a:r>
+          </a:p>
+          <a:p>
+            <a:pPr lvl="1"/>
+            <a:r>
+              <a:rPr lang="en-US" dirty="0"/>
+              <a:t>Explain the overall purposes of requirements analysis</a:t>
+            </a:r>
+          </a:p>
+          <a:p>
+            <a:pPr lvl="1"/>
+            <a:r>
+              <a:rPr lang="en-US" dirty="0"/>
+              <a:t>Enumerate and explain 3 major dimensions of risk in Requirements Analysis</a:t>
+            </a:r>
+          </a:p>
+          <a:p>
+            <a:pPr lvl="1"/>
+            <a:r>
+              <a:rPr lang="en-US" dirty="0"/>
+              <a:t>Explain the difference between functional and non-functional requirements, and give examples of each  </a:t>
+            </a:r>
+          </a:p>
+          <a:p>
+            <a:pPr lvl="1"/>
+            <a:r>
+              <a:rPr lang="en-US" dirty="0"/>
+              <a:t>Explain the notion of a user story, with examples.  (including conditions of satisfaction)</a:t>
+            </a:r>
+          </a:p>
+        </p:txBody>
+      </p:sp>
+      <p:sp>
+        <p:nvSpPr>
+          <p:cNvPr id="4" name="Slide Number Placeholder 3">
+            <a:extLst>
+              <a:ext uri="{FF2B5EF4-FFF2-40B4-BE49-F238E27FC236}">
+                <a16:creationId xmlns:a16="http://schemas.microsoft.com/office/drawing/2014/main" id="{B7BF3F82-6F96-41E0-9C15-23CE00076176}"/>
+              </a:ext>
+            </a:extLst>
+          </p:cNvPr>
+          <p:cNvSpPr>
+            <a:spLocks noGrp="1"/>
+          </p:cNvSpPr>
+          <p:nvPr>
+            <p:ph type="sldNum" sz="quarter" idx="12"/>
+          </p:nvPr>
+        </p:nvSpPr>
+        <p:spPr/>
+        <p:txBody>
+          <a:bodyPr/>
+          <a:lstStyle/>
+          <a:p>
+            <a:fld id="{20F37917-FD3A-4669-9018-DA04BCDD3D75}" type="slidenum">
+              <a:rPr lang="en-US" smtClean="0"/>
+              <a:t>20</a:t>
+            </a:fld>
+            <a:endParaRPr lang="en-US"/>
+          </a:p>
+        </p:txBody>
+      </p:sp>
+    </p:spTree>
+    <p:extLst>
+      <p:ext uri="{BB962C8B-B14F-4D97-AF65-F5344CB8AC3E}">
+        <p14:creationId xmlns:p14="http://schemas.microsoft.com/office/powerpoint/2010/main" val="673410589"/>
       </p:ext>
     </p:extLst>
   </p:cSld>
